--- a/Leadership & Personality development.pptx
+++ b/Leadership & Personality development.pptx
@@ -19,9 +19,12 @@
     <p:sldId id="267" r:id="rId13"/>
     <p:sldId id="268" r:id="rId14"/>
     <p:sldId id="269" r:id="rId15"/>
-    <p:sldId id="270" r:id="rId16"/>
-    <p:sldId id="271" r:id="rId17"/>
-    <p:sldId id="272" r:id="rId18"/>
+    <p:sldId id="273" r:id="rId16"/>
+    <p:sldId id="274" r:id="rId17"/>
+    <p:sldId id="275" r:id="rId18"/>
+    <p:sldId id="270" r:id="rId19"/>
+    <p:sldId id="271" r:id="rId20"/>
+    <p:sldId id="272" r:id="rId21"/>
   </p:sldIdLst>
   <p:sldSz cx="12192000" cy="6858000"/>
   <p:notesSz cx="6858000" cy="9144000"/>
@@ -298,7 +301,7 @@
           <a:p>
             <a:fld id="{7D116854-DCA9-4D3F-AB7E-113115DF3D83}" type="datetimeFigureOut">
               <a:rPr lang="en-US" smtClean="0"/>
-              <a:t>07-Jun-21</a:t>
+              <a:t>08-Jun-21</a:t>
             </a:fld>
             <a:endParaRPr lang="en-US"/>
           </a:p>
@@ -565,7 +568,7 @@
           <a:p>
             <a:fld id="{7D116854-DCA9-4D3F-AB7E-113115DF3D83}" type="datetimeFigureOut">
               <a:rPr lang="en-US" smtClean="0"/>
-              <a:t>07-Jun-21</a:t>
+              <a:t>08-Jun-21</a:t>
             </a:fld>
             <a:endParaRPr lang="en-US"/>
           </a:p>
@@ -796,7 +799,7 @@
           <a:p>
             <a:fld id="{7D116854-DCA9-4D3F-AB7E-113115DF3D83}" type="datetimeFigureOut">
               <a:rPr lang="en-US" smtClean="0"/>
-              <a:t>07-Jun-21</a:t>
+              <a:t>08-Jun-21</a:t>
             </a:fld>
             <a:endParaRPr lang="en-US"/>
           </a:p>
@@ -1106,7 +1109,7 @@
           <a:p>
             <a:fld id="{7D116854-DCA9-4D3F-AB7E-113115DF3D83}" type="datetimeFigureOut">
               <a:rPr lang="en-US" smtClean="0"/>
-              <a:t>07-Jun-21</a:t>
+              <a:t>08-Jun-21</a:t>
             </a:fld>
             <a:endParaRPr lang="en-US"/>
           </a:p>
@@ -1579,7 +1582,7 @@
           <a:p>
             <a:fld id="{7D116854-DCA9-4D3F-AB7E-113115DF3D83}" type="datetimeFigureOut">
               <a:rPr lang="en-US" smtClean="0"/>
-              <a:t>07-Jun-21</a:t>
+              <a:t>08-Jun-21</a:t>
             </a:fld>
             <a:endParaRPr lang="en-US"/>
           </a:p>
@@ -2126,7 +2129,7 @@
           <a:p>
             <a:fld id="{7D116854-DCA9-4D3F-AB7E-113115DF3D83}" type="datetimeFigureOut">
               <a:rPr lang="en-US" smtClean="0"/>
-              <a:t>07-Jun-21</a:t>
+              <a:t>08-Jun-21</a:t>
             </a:fld>
             <a:endParaRPr lang="en-US"/>
           </a:p>
@@ -2900,7 +2903,7 @@
           <a:p>
             <a:fld id="{7D116854-DCA9-4D3F-AB7E-113115DF3D83}" type="datetimeFigureOut">
               <a:rPr lang="en-US" smtClean="0"/>
-              <a:t>07-Jun-21</a:t>
+              <a:t>08-Jun-21</a:t>
             </a:fld>
             <a:endParaRPr lang="en-US"/>
           </a:p>
@@ -3075,7 +3078,7 @@
           <a:p>
             <a:fld id="{7D116854-DCA9-4D3F-AB7E-113115DF3D83}" type="datetimeFigureOut">
               <a:rPr lang="en-US" smtClean="0"/>
-              <a:t>07-Jun-21</a:t>
+              <a:t>08-Jun-21</a:t>
             </a:fld>
             <a:endParaRPr lang="en-US"/>
           </a:p>
@@ -3298,7 +3301,7 @@
           <a:p>
             <a:fld id="{7D116854-DCA9-4D3F-AB7E-113115DF3D83}" type="datetimeFigureOut">
               <a:rPr lang="en-US" smtClean="0"/>
-              <a:t>07-Jun-21</a:t>
+              <a:t>08-Jun-21</a:t>
             </a:fld>
             <a:endParaRPr lang="en-US"/>
           </a:p>
@@ -3478,7 +3481,7 @@
           <a:p>
             <a:fld id="{7D116854-DCA9-4D3F-AB7E-113115DF3D83}" type="datetimeFigureOut">
               <a:rPr lang="en-US" smtClean="0"/>
-              <a:t>07-Jun-21</a:t>
+              <a:t>08-Jun-21</a:t>
             </a:fld>
             <a:endParaRPr lang="en-US"/>
           </a:p>
@@ -3767,7 +3770,7 @@
           <a:p>
             <a:fld id="{7D116854-DCA9-4D3F-AB7E-113115DF3D83}" type="datetimeFigureOut">
               <a:rPr lang="en-US" smtClean="0"/>
-              <a:t>07-Jun-21</a:t>
+              <a:t>08-Jun-21</a:t>
             </a:fld>
             <a:endParaRPr lang="en-US"/>
           </a:p>
@@ -4009,7 +4012,7 @@
           <a:p>
             <a:fld id="{7D116854-DCA9-4D3F-AB7E-113115DF3D83}" type="datetimeFigureOut">
               <a:rPr lang="en-US" smtClean="0"/>
-              <a:t>07-Jun-21</a:t>
+              <a:t>08-Jun-21</a:t>
             </a:fld>
             <a:endParaRPr lang="en-US"/>
           </a:p>
@@ -4388,7 +4391,7 @@
           <a:p>
             <a:fld id="{7D116854-DCA9-4D3F-AB7E-113115DF3D83}" type="datetimeFigureOut">
               <a:rPr lang="en-US" smtClean="0"/>
-              <a:t>07-Jun-21</a:t>
+              <a:t>08-Jun-21</a:t>
             </a:fld>
             <a:endParaRPr lang="en-US"/>
           </a:p>
@@ -4506,7 +4509,7 @@
           <a:p>
             <a:fld id="{7D116854-DCA9-4D3F-AB7E-113115DF3D83}" type="datetimeFigureOut">
               <a:rPr lang="en-US" smtClean="0"/>
-              <a:t>07-Jun-21</a:t>
+              <a:t>08-Jun-21</a:t>
             </a:fld>
             <a:endParaRPr lang="en-US"/>
           </a:p>
@@ -4601,7 +4604,7 @@
           <a:p>
             <a:fld id="{7D116854-DCA9-4D3F-AB7E-113115DF3D83}" type="datetimeFigureOut">
               <a:rPr lang="en-US" smtClean="0"/>
-              <a:t>07-Jun-21</a:t>
+              <a:t>08-Jun-21</a:t>
             </a:fld>
             <a:endParaRPr lang="en-US"/>
           </a:p>
@@ -4850,7 +4853,7 @@
           <a:p>
             <a:fld id="{7D116854-DCA9-4D3F-AB7E-113115DF3D83}" type="datetimeFigureOut">
               <a:rPr lang="en-US" smtClean="0"/>
-              <a:t>07-Jun-21</a:t>
+              <a:t>08-Jun-21</a:t>
             </a:fld>
             <a:endParaRPr lang="en-US"/>
           </a:p>
@@ -5107,7 +5110,7 @@
           <a:p>
             <a:fld id="{7D116854-DCA9-4D3F-AB7E-113115DF3D83}" type="datetimeFigureOut">
               <a:rPr lang="en-US" smtClean="0"/>
-              <a:t>07-Jun-21</a:t>
+              <a:t>08-Jun-21</a:t>
             </a:fld>
             <a:endParaRPr lang="en-US"/>
           </a:p>
@@ -5350,7 +5353,7 @@
           <a:p>
             <a:fld id="{7D116854-DCA9-4D3F-AB7E-113115DF3D83}" type="datetimeFigureOut">
               <a:rPr lang="en-US" smtClean="0"/>
-              <a:t>07-Jun-21</a:t>
+              <a:t>08-Jun-21</a:t>
             </a:fld>
             <a:endParaRPr lang="en-US"/>
           </a:p>
@@ -6905,6 +6908,42 @@
           </a:prstGeom>
         </p:spPr>
       </p:pic>
+      <p:pic>
+        <p:nvPicPr>
+          <p:cNvPr id="4" name="Picture 3" descr="Logo&#10;&#10;Description automatically generated">
+            <a:extLst>
+              <a:ext uri="{FF2B5EF4-FFF2-40B4-BE49-F238E27FC236}">
+                <a16:creationId xmlns:a16="http://schemas.microsoft.com/office/drawing/2014/main" id="{5B22FC30-3C9E-4AB7-8E89-1A030DCC80FF}"/>
+              </a:ext>
+            </a:extLst>
+          </p:cNvPr>
+          <p:cNvPicPr>
+            <a:picLocks noChangeAspect="1"/>
+          </p:cNvPicPr>
+          <p:nvPr/>
+        </p:nvPicPr>
+        <p:blipFill>
+          <a:blip r:embed="rId2">
+            <a:extLst>
+              <a:ext uri="{28A0092B-C50C-407E-A947-70E740481C1C}">
+                <a14:useLocalDpi xmlns:a14="http://schemas.microsoft.com/office/drawing/2010/main" val="0"/>
+              </a:ext>
+            </a:extLst>
+          </a:blip>
+          <a:stretch>
+            <a:fillRect/>
+          </a:stretch>
+        </p:blipFill>
+        <p:spPr>
+          <a:xfrm>
+            <a:off x="206828" y="-90391"/>
+            <a:ext cx="957943" cy="1436914"/>
+          </a:xfrm>
+          <a:prstGeom prst="rect">
+            <a:avLst/>
+          </a:prstGeom>
+        </p:spPr>
+      </p:pic>
     </p:spTree>
     <p:extLst>
       <p:ext uri="{BB962C8B-B14F-4D97-AF65-F5344CB8AC3E}">
@@ -6919,6 +6958,554 @@
 </file>
 
 <file path=ppt/slides/slide15.xml><?xml version="1.0" encoding="utf-8"?>
+<p:sld xmlns:a="http://schemas.openxmlformats.org/drawingml/2006/main" xmlns:r="http://schemas.openxmlformats.org/officeDocument/2006/relationships" xmlns:p="http://schemas.openxmlformats.org/presentationml/2006/main">
+  <p:cSld>
+    <p:spTree>
+      <p:nvGrpSpPr>
+        <p:cNvPr id="1" name=""/>
+        <p:cNvGrpSpPr/>
+        <p:nvPr/>
+      </p:nvGrpSpPr>
+      <p:grpSpPr>
+        <a:xfrm>
+          <a:off x="0" y="0"/>
+          <a:ext cx="0" cy="0"/>
+          <a:chOff x="0" y="0"/>
+          <a:chExt cx="0" cy="0"/>
+        </a:xfrm>
+      </p:grpSpPr>
+      <p:sp>
+        <p:nvSpPr>
+          <p:cNvPr id="2" name="Title 1">
+            <a:extLst>
+              <a:ext uri="{FF2B5EF4-FFF2-40B4-BE49-F238E27FC236}">
+                <a16:creationId xmlns:a16="http://schemas.microsoft.com/office/drawing/2014/main" id="{272F941E-CBA5-4C94-948A-AFED76538F3F}"/>
+              </a:ext>
+            </a:extLst>
+          </p:cNvPr>
+          <p:cNvSpPr>
+            <a:spLocks noGrp="1"/>
+          </p:cNvSpPr>
+          <p:nvPr>
+            <p:ph type="title"/>
+          </p:nvPr>
+        </p:nvSpPr>
+        <p:spPr>
+          <a:xfrm>
+            <a:off x="685800" y="1486565"/>
+            <a:ext cx="10820400" cy="707995"/>
+          </a:xfrm>
+        </p:spPr>
+        <p:txBody>
+          <a:bodyPr>
+            <a:normAutofit/>
+          </a:bodyPr>
+          <a:lstStyle/>
+          <a:p>
+            <a:pPr algn="l"/>
+            <a:r>
+              <a:rPr lang="en-US" sz="2800" b="1" dirty="0">
+                <a:latin typeface="Times New Roman" panose="02020603050405020304" pitchFamily="18" charset="0"/>
+                <a:cs typeface="Times New Roman" panose="02020603050405020304" pitchFamily="18" charset="0"/>
+              </a:rPr>
+              <a:t>Self motivation:</a:t>
+            </a:r>
+          </a:p>
+        </p:txBody>
+      </p:sp>
+      <p:sp>
+        <p:nvSpPr>
+          <p:cNvPr id="3" name="Content Placeholder 2">
+            <a:extLst>
+              <a:ext uri="{FF2B5EF4-FFF2-40B4-BE49-F238E27FC236}">
+                <a16:creationId xmlns:a16="http://schemas.microsoft.com/office/drawing/2014/main" id="{3DCAE2BC-EEA5-4F66-8A43-6F3BC9416121}"/>
+              </a:ext>
+            </a:extLst>
+          </p:cNvPr>
+          <p:cNvSpPr>
+            <a:spLocks noGrp="1"/>
+          </p:cNvSpPr>
+          <p:nvPr>
+            <p:ph idx="1"/>
+          </p:nvPr>
+        </p:nvSpPr>
+        <p:spPr>
+          <a:xfrm>
+            <a:off x="685800" y="2194560"/>
+            <a:ext cx="6558379" cy="4024125"/>
+          </a:xfrm>
+        </p:spPr>
+        <p:txBody>
+          <a:bodyPr>
+            <a:normAutofit/>
+          </a:bodyPr>
+          <a:lstStyle/>
+          <a:p>
+            <a:endParaRPr lang="en-US" sz="2400" dirty="0">
+              <a:latin typeface="Times New Roman" panose="02020603050405020304" pitchFamily="18" charset="0"/>
+              <a:cs typeface="Times New Roman" panose="02020603050405020304" pitchFamily="18" charset="0"/>
+            </a:endParaRPr>
+          </a:p>
+          <a:p>
+            <a:r>
+              <a:rPr lang="en-US" sz="2400" dirty="0">
+                <a:latin typeface="Times New Roman" panose="02020603050405020304" pitchFamily="18" charset="0"/>
+                <a:cs typeface="Times New Roman" panose="02020603050405020304" pitchFamily="18" charset="0"/>
+              </a:rPr>
+              <a:t>Self-motivation is a skill that enables you to do things. It is a key life skill, simply a force that drives you to accomplish tasks and goals.</a:t>
+            </a:r>
+          </a:p>
+          <a:p>
+            <a:endParaRPr lang="en-US" sz="2400" dirty="0">
+              <a:latin typeface="Times New Roman" panose="02020603050405020304" pitchFamily="18" charset="0"/>
+              <a:cs typeface="Times New Roman" panose="02020603050405020304" pitchFamily="18" charset="0"/>
+            </a:endParaRPr>
+          </a:p>
+          <a:p>
+            <a:r>
+              <a:rPr lang="en-US" sz="2400" dirty="0">
+                <a:latin typeface="Times New Roman" panose="02020603050405020304" pitchFamily="18" charset="0"/>
+                <a:cs typeface="Times New Roman" panose="02020603050405020304" pitchFamily="18" charset="0"/>
+              </a:rPr>
+              <a:t>If you are interested in personal development, you should consider about this skill seriously.</a:t>
+            </a:r>
+          </a:p>
+        </p:txBody>
+      </p:sp>
+      <p:pic>
+        <p:nvPicPr>
+          <p:cNvPr id="5" name="Picture 4" descr="A picture containing background pattern&#10;&#10;Description automatically generated">
+            <a:extLst>
+              <a:ext uri="{FF2B5EF4-FFF2-40B4-BE49-F238E27FC236}">
+                <a16:creationId xmlns:a16="http://schemas.microsoft.com/office/drawing/2014/main" id="{18058A8F-608D-492A-8E24-C3850DFEE454}"/>
+              </a:ext>
+            </a:extLst>
+          </p:cNvPr>
+          <p:cNvPicPr>
+            <a:picLocks noChangeAspect="1"/>
+          </p:cNvPicPr>
+          <p:nvPr/>
+        </p:nvPicPr>
+        <p:blipFill>
+          <a:blip r:embed="rId2">
+            <a:extLst>
+              <a:ext uri="{28A0092B-C50C-407E-A947-70E740481C1C}">
+                <a14:useLocalDpi xmlns:a14="http://schemas.microsoft.com/office/drawing/2010/main" val="0"/>
+              </a:ext>
+            </a:extLst>
+          </a:blip>
+          <a:stretch>
+            <a:fillRect/>
+          </a:stretch>
+        </p:blipFill>
+        <p:spPr>
+          <a:xfrm>
+            <a:off x="7373112" y="1486565"/>
+            <a:ext cx="4133088" cy="3814320"/>
+          </a:xfrm>
+          <a:prstGeom prst="rect">
+            <a:avLst/>
+          </a:prstGeom>
+        </p:spPr>
+      </p:pic>
+      <p:pic>
+        <p:nvPicPr>
+          <p:cNvPr id="6" name="Picture 5" descr="Logo&#10;&#10;Description automatically generated">
+            <a:extLst>
+              <a:ext uri="{FF2B5EF4-FFF2-40B4-BE49-F238E27FC236}">
+                <a16:creationId xmlns:a16="http://schemas.microsoft.com/office/drawing/2014/main" id="{6DD4BFF9-7649-400E-89DB-3836F214C313}"/>
+              </a:ext>
+            </a:extLst>
+          </p:cNvPr>
+          <p:cNvPicPr>
+            <a:picLocks noChangeAspect="1"/>
+          </p:cNvPicPr>
+          <p:nvPr/>
+        </p:nvPicPr>
+        <p:blipFill>
+          <a:blip r:embed="rId3">
+            <a:extLst>
+              <a:ext uri="{28A0092B-C50C-407E-A947-70E740481C1C}">
+                <a14:useLocalDpi xmlns:a14="http://schemas.microsoft.com/office/drawing/2010/main" val="0"/>
+              </a:ext>
+            </a:extLst>
+          </a:blip>
+          <a:stretch>
+            <a:fillRect/>
+          </a:stretch>
+        </p:blipFill>
+        <p:spPr>
+          <a:xfrm>
+            <a:off x="206828" y="-90391"/>
+            <a:ext cx="957943" cy="1436914"/>
+          </a:xfrm>
+          <a:prstGeom prst="rect">
+            <a:avLst/>
+          </a:prstGeom>
+        </p:spPr>
+      </p:pic>
+    </p:spTree>
+    <p:extLst>
+      <p:ext uri="{BB962C8B-B14F-4D97-AF65-F5344CB8AC3E}">
+        <p14:creationId xmlns:p14="http://schemas.microsoft.com/office/powerpoint/2010/main" val="2058044053"/>
+      </p:ext>
+    </p:extLst>
+  </p:cSld>
+  <p:clrMapOvr>
+    <a:masterClrMapping/>
+  </p:clrMapOvr>
+</p:sld>
+</file>
+
+<file path=ppt/slides/slide16.xml><?xml version="1.0" encoding="utf-8"?>
+<p:sld xmlns:a="http://schemas.openxmlformats.org/drawingml/2006/main" xmlns:r="http://schemas.openxmlformats.org/officeDocument/2006/relationships" xmlns:p="http://schemas.openxmlformats.org/presentationml/2006/main">
+  <p:cSld>
+    <p:spTree>
+      <p:nvGrpSpPr>
+        <p:cNvPr id="1" name=""/>
+        <p:cNvGrpSpPr/>
+        <p:nvPr/>
+      </p:nvGrpSpPr>
+      <p:grpSpPr>
+        <a:xfrm>
+          <a:off x="0" y="0"/>
+          <a:ext cx="0" cy="0"/>
+          <a:chOff x="0" y="0"/>
+          <a:chExt cx="0" cy="0"/>
+        </a:xfrm>
+      </p:grpSpPr>
+      <p:sp>
+        <p:nvSpPr>
+          <p:cNvPr id="2" name="Title 1">
+            <a:extLst>
+              <a:ext uri="{FF2B5EF4-FFF2-40B4-BE49-F238E27FC236}">
+                <a16:creationId xmlns:a16="http://schemas.microsoft.com/office/drawing/2014/main" id="{6AE4A669-5DC2-43AE-A1B5-9716B489E37E}"/>
+              </a:ext>
+            </a:extLst>
+          </p:cNvPr>
+          <p:cNvSpPr>
+            <a:spLocks noGrp="1"/>
+          </p:cNvSpPr>
+          <p:nvPr>
+            <p:ph type="title"/>
+          </p:nvPr>
+        </p:nvSpPr>
+        <p:spPr>
+          <a:xfrm>
+            <a:off x="685800" y="1402672"/>
+            <a:ext cx="10820400" cy="654729"/>
+          </a:xfrm>
+        </p:spPr>
+        <p:txBody>
+          <a:bodyPr>
+            <a:normAutofit/>
+          </a:bodyPr>
+          <a:lstStyle/>
+          <a:p>
+            <a:pPr algn="l"/>
+            <a:r>
+              <a:rPr lang="en-US" sz="2400" b="1" dirty="0">
+                <a:latin typeface="Times New Roman" panose="02020603050405020304" pitchFamily="18" charset="0"/>
+                <a:cs typeface="Times New Roman" panose="02020603050405020304" pitchFamily="18" charset="0"/>
+              </a:rPr>
+              <a:t>Self confidence:</a:t>
+            </a:r>
+          </a:p>
+        </p:txBody>
+      </p:sp>
+      <p:sp>
+        <p:nvSpPr>
+          <p:cNvPr id="3" name="Content Placeholder 2">
+            <a:extLst>
+              <a:ext uri="{FF2B5EF4-FFF2-40B4-BE49-F238E27FC236}">
+                <a16:creationId xmlns:a16="http://schemas.microsoft.com/office/drawing/2014/main" id="{740F6EC7-E0F4-4068-B5C2-782FA95A4B60}"/>
+              </a:ext>
+            </a:extLst>
+          </p:cNvPr>
+          <p:cNvSpPr>
+            <a:spLocks noGrp="1"/>
+          </p:cNvSpPr>
+          <p:nvPr>
+            <p:ph idx="1"/>
+          </p:nvPr>
+        </p:nvSpPr>
+        <p:spPr/>
+        <p:txBody>
+          <a:bodyPr/>
+          <a:lstStyle/>
+          <a:p>
+            <a:r>
+              <a:rPr lang="en-US" dirty="0">
+                <a:latin typeface="Times New Roman" panose="02020603050405020304" pitchFamily="18" charset="0"/>
+                <a:cs typeface="Times New Roman" panose="02020603050405020304" pitchFamily="18" charset="0"/>
+              </a:rPr>
+              <a:t>Not only about tasks or world you have to think positive about yourself. You need to have a trust in yourself and your abilities.</a:t>
+            </a:r>
+          </a:p>
+          <a:p>
+            <a:r>
+              <a:rPr lang="en-US" dirty="0">
+                <a:latin typeface="Times New Roman" panose="02020603050405020304" pitchFamily="18" charset="0"/>
+                <a:cs typeface="Times New Roman" panose="02020603050405020304" pitchFamily="18" charset="0"/>
+              </a:rPr>
+              <a:t>When you start along path to develop a healthy personality, must keep in mind that there will be setbacks and failures along the way.</a:t>
+            </a:r>
+          </a:p>
+          <a:p>
+            <a:endParaRPr lang="en-US" dirty="0">
+              <a:latin typeface="Times New Roman" panose="02020603050405020304" pitchFamily="18" charset="0"/>
+              <a:cs typeface="Times New Roman" panose="02020603050405020304" pitchFamily="18" charset="0"/>
+            </a:endParaRPr>
+          </a:p>
+          <a:p>
+            <a:pPr marL="0" indent="0">
+              <a:buNone/>
+            </a:pPr>
+            <a:r>
+              <a:rPr lang="en-US" sz="2400" b="1" dirty="0">
+                <a:latin typeface="Times New Roman" panose="02020603050405020304" pitchFamily="18" charset="0"/>
+                <a:cs typeface="Times New Roman" panose="02020603050405020304" pitchFamily="18" charset="0"/>
+              </a:rPr>
+              <a:t>SURROUND YOURSELF WITH GOOD COMPANY:</a:t>
+            </a:r>
+          </a:p>
+          <a:p>
+            <a:r>
+              <a:rPr lang="en-US" dirty="0">
+                <a:latin typeface="Times New Roman" panose="02020603050405020304" pitchFamily="18" charset="0"/>
+                <a:cs typeface="Times New Roman" panose="02020603050405020304" pitchFamily="18" charset="0"/>
+              </a:rPr>
+              <a:t>‘A man is known by the company he keeps’ is a very common quote. Very few people really understand the meaning and power of this short sentence. Surround yourself with motivators.</a:t>
+            </a:r>
+          </a:p>
+        </p:txBody>
+      </p:sp>
+      <p:pic>
+        <p:nvPicPr>
+          <p:cNvPr id="4" name="Picture 3" descr="Logo&#10;&#10;Description automatically generated">
+            <a:extLst>
+              <a:ext uri="{FF2B5EF4-FFF2-40B4-BE49-F238E27FC236}">
+                <a16:creationId xmlns:a16="http://schemas.microsoft.com/office/drawing/2014/main" id="{ED06FE83-2F73-441F-85F0-F48753AEDA54}"/>
+              </a:ext>
+            </a:extLst>
+          </p:cNvPr>
+          <p:cNvPicPr>
+            <a:picLocks noChangeAspect="1"/>
+          </p:cNvPicPr>
+          <p:nvPr/>
+        </p:nvPicPr>
+        <p:blipFill>
+          <a:blip r:embed="rId2">
+            <a:extLst>
+              <a:ext uri="{28A0092B-C50C-407E-A947-70E740481C1C}">
+                <a14:useLocalDpi xmlns:a14="http://schemas.microsoft.com/office/drawing/2010/main" val="0"/>
+              </a:ext>
+            </a:extLst>
+          </a:blip>
+          <a:stretch>
+            <a:fillRect/>
+          </a:stretch>
+        </p:blipFill>
+        <p:spPr>
+          <a:xfrm>
+            <a:off x="206828" y="-90391"/>
+            <a:ext cx="957943" cy="1436914"/>
+          </a:xfrm>
+          <a:prstGeom prst="rect">
+            <a:avLst/>
+          </a:prstGeom>
+        </p:spPr>
+      </p:pic>
+    </p:spTree>
+    <p:extLst>
+      <p:ext uri="{BB962C8B-B14F-4D97-AF65-F5344CB8AC3E}">
+        <p14:creationId xmlns:p14="http://schemas.microsoft.com/office/powerpoint/2010/main" val="3169316033"/>
+      </p:ext>
+    </p:extLst>
+  </p:cSld>
+  <p:clrMapOvr>
+    <a:masterClrMapping/>
+  </p:clrMapOvr>
+</p:sld>
+</file>
+
+<file path=ppt/slides/slide17.xml><?xml version="1.0" encoding="utf-8"?>
+<p:sld xmlns:a="http://schemas.openxmlformats.org/drawingml/2006/main" xmlns:r="http://schemas.openxmlformats.org/officeDocument/2006/relationships" xmlns:p="http://schemas.openxmlformats.org/presentationml/2006/main">
+  <p:cSld>
+    <p:spTree>
+      <p:nvGrpSpPr>
+        <p:cNvPr id="1" name=""/>
+        <p:cNvGrpSpPr/>
+        <p:nvPr/>
+      </p:nvGrpSpPr>
+      <p:grpSpPr>
+        <a:xfrm>
+          <a:off x="0" y="0"/>
+          <a:ext cx="0" cy="0"/>
+          <a:chOff x="0" y="0"/>
+          <a:chExt cx="0" cy="0"/>
+        </a:xfrm>
+      </p:grpSpPr>
+      <p:sp>
+        <p:nvSpPr>
+          <p:cNvPr id="3" name="Content Placeholder 2">
+            <a:extLst>
+              <a:ext uri="{FF2B5EF4-FFF2-40B4-BE49-F238E27FC236}">
+                <a16:creationId xmlns:a16="http://schemas.microsoft.com/office/drawing/2014/main" id="{9F7114B5-F351-4EA9-A458-404693A7D0BB}"/>
+              </a:ext>
+            </a:extLst>
+          </p:cNvPr>
+          <p:cNvSpPr>
+            <a:spLocks noGrp="1"/>
+          </p:cNvSpPr>
+          <p:nvPr>
+            <p:ph idx="1"/>
+          </p:nvPr>
+        </p:nvSpPr>
+        <p:spPr>
+          <a:xfrm>
+            <a:off x="685800" y="1571348"/>
+            <a:ext cx="10820400" cy="4647338"/>
+          </a:xfrm>
+        </p:spPr>
+        <p:txBody>
+          <a:bodyPr>
+            <a:normAutofit/>
+          </a:bodyPr>
+          <a:lstStyle/>
+          <a:p>
+            <a:pPr marL="0" indent="0">
+              <a:buNone/>
+            </a:pPr>
+            <a:r>
+              <a:rPr lang="en-US" sz="2400" b="1" dirty="0">
+                <a:latin typeface="Times New Roman" panose="02020603050405020304" pitchFamily="18" charset="0"/>
+                <a:cs typeface="Times New Roman" panose="02020603050405020304" pitchFamily="18" charset="0"/>
+              </a:rPr>
+              <a:t>LEARN FROM MISTAKES:</a:t>
+            </a:r>
+          </a:p>
+          <a:p>
+            <a:r>
+              <a:rPr lang="en-US" sz="2000" dirty="0">
+                <a:latin typeface="Times New Roman" panose="02020603050405020304" pitchFamily="18" charset="0"/>
+                <a:cs typeface="Times New Roman" panose="02020603050405020304" pitchFamily="18" charset="0"/>
+              </a:rPr>
+              <a:t>When you keep focusing on your previous mistakes, you are killing your motivation.</a:t>
+            </a:r>
+          </a:p>
+          <a:p>
+            <a:r>
+              <a:rPr lang="en-US" sz="2000" dirty="0">
+                <a:latin typeface="Times New Roman" panose="02020603050405020304" pitchFamily="18" charset="0"/>
+                <a:cs typeface="Times New Roman" panose="02020603050405020304" pitchFamily="18" charset="0"/>
+              </a:rPr>
+              <a:t>Learning from your mistakes can help motivate you since you know what to avoid.</a:t>
+            </a:r>
+          </a:p>
+          <a:p>
+            <a:r>
+              <a:rPr lang="en-US" sz="2000" dirty="0">
+                <a:latin typeface="Times New Roman" panose="02020603050405020304" pitchFamily="18" charset="0"/>
+                <a:cs typeface="Times New Roman" panose="02020603050405020304" pitchFamily="18" charset="0"/>
+              </a:rPr>
+              <a:t>Today is a new day. Motivate yourself, so you can achieve what you want and deserve.</a:t>
+            </a:r>
+          </a:p>
+          <a:p>
+            <a:endParaRPr lang="en-US" dirty="0">
+              <a:latin typeface="Times New Roman" panose="02020603050405020304" pitchFamily="18" charset="0"/>
+              <a:cs typeface="Times New Roman" panose="02020603050405020304" pitchFamily="18" charset="0"/>
+            </a:endParaRPr>
+          </a:p>
+          <a:p>
+            <a:pPr marL="0" indent="0">
+              <a:buNone/>
+            </a:pPr>
+            <a:r>
+              <a:rPr lang="en-US" sz="2400" b="1" dirty="0">
+                <a:latin typeface="Times New Roman" panose="02020603050405020304" pitchFamily="18" charset="0"/>
+                <a:cs typeface="Times New Roman" panose="02020603050405020304" pitchFamily="18" charset="0"/>
+              </a:rPr>
+              <a:t>START SMALL:</a:t>
+            </a:r>
+          </a:p>
+          <a:p>
+            <a:r>
+              <a:rPr lang="en-US" sz="2000" dirty="0">
+                <a:latin typeface="Times New Roman" panose="02020603050405020304" pitchFamily="18" charset="0"/>
+                <a:cs typeface="Times New Roman" panose="02020603050405020304" pitchFamily="18" charset="0"/>
+              </a:rPr>
+              <a:t>To get to where you want to be requires serious effort. You need to start taking small steps, so you can get to where you want to be.</a:t>
+            </a:r>
+          </a:p>
+          <a:p>
+            <a:r>
+              <a:rPr lang="en-US" sz="2000" dirty="0">
+                <a:latin typeface="Times New Roman" panose="02020603050405020304" pitchFamily="18" charset="0"/>
+                <a:cs typeface="Times New Roman" panose="02020603050405020304" pitchFamily="18" charset="0"/>
+              </a:rPr>
+              <a:t>Once started, it will become easy for you to continue moving forward.</a:t>
+            </a:r>
+          </a:p>
+          <a:p>
+            <a:endParaRPr lang="en-US" dirty="0">
+              <a:latin typeface="Times New Roman" panose="02020603050405020304" pitchFamily="18" charset="0"/>
+              <a:cs typeface="Times New Roman" panose="02020603050405020304" pitchFamily="18" charset="0"/>
+            </a:endParaRPr>
+          </a:p>
+        </p:txBody>
+      </p:sp>
+      <p:pic>
+        <p:nvPicPr>
+          <p:cNvPr id="4" name="Picture 3" descr="Logo&#10;&#10;Description automatically generated">
+            <a:extLst>
+              <a:ext uri="{FF2B5EF4-FFF2-40B4-BE49-F238E27FC236}">
+                <a16:creationId xmlns:a16="http://schemas.microsoft.com/office/drawing/2014/main" id="{7EAFBFC8-2280-4C31-ADEF-FFBCC090C875}"/>
+              </a:ext>
+            </a:extLst>
+          </p:cNvPr>
+          <p:cNvPicPr>
+            <a:picLocks noChangeAspect="1"/>
+          </p:cNvPicPr>
+          <p:nvPr/>
+        </p:nvPicPr>
+        <p:blipFill>
+          <a:blip r:embed="rId2">
+            <a:extLst>
+              <a:ext uri="{28A0092B-C50C-407E-A947-70E740481C1C}">
+                <a14:useLocalDpi xmlns:a14="http://schemas.microsoft.com/office/drawing/2010/main" val="0"/>
+              </a:ext>
+            </a:extLst>
+          </a:blip>
+          <a:stretch>
+            <a:fillRect/>
+          </a:stretch>
+        </p:blipFill>
+        <p:spPr>
+          <a:xfrm>
+            <a:off x="206828" y="-90391"/>
+            <a:ext cx="957943" cy="1436914"/>
+          </a:xfrm>
+          <a:prstGeom prst="rect">
+            <a:avLst/>
+          </a:prstGeom>
+        </p:spPr>
+      </p:pic>
+    </p:spTree>
+    <p:extLst>
+      <p:ext uri="{BB962C8B-B14F-4D97-AF65-F5344CB8AC3E}">
+        <p14:creationId xmlns:p14="http://schemas.microsoft.com/office/powerpoint/2010/main" val="1379036039"/>
+      </p:ext>
+    </p:extLst>
+  </p:cSld>
+  <p:clrMapOvr>
+    <a:masterClrMapping/>
+  </p:clrMapOvr>
+</p:sld>
+</file>
+
+<file path=ppt/slides/slide18.xml><?xml version="1.0" encoding="utf-8"?>
 <p:sld xmlns:a="http://schemas.openxmlformats.org/drawingml/2006/main" xmlns:r="http://schemas.openxmlformats.org/officeDocument/2006/relationships" xmlns:p="http://schemas.openxmlformats.org/presentationml/2006/main">
   <p:cSld>
     <p:bg>
@@ -7140,7 +7727,7 @@
 </p:sld>
 </file>
 
-<file path=ppt/slides/slide16.xml><?xml version="1.0" encoding="utf-8"?>
+<file path=ppt/slides/slide19.xml><?xml version="1.0" encoding="utf-8"?>
 <p:sld xmlns:a="http://schemas.openxmlformats.org/drawingml/2006/main" xmlns:r="http://schemas.openxmlformats.org/officeDocument/2006/relationships" xmlns:p="http://schemas.openxmlformats.org/presentationml/2006/main">
   <p:cSld>
     <p:bg>
@@ -7342,7 +7929,291 @@
 </p:sld>
 </file>
 
-<file path=ppt/slides/slide17.xml><?xml version="1.0" encoding="utf-8"?>
+<file path=ppt/slides/slide2.xml><?xml version="1.0" encoding="utf-8"?>
+<p:sld xmlns:a="http://schemas.openxmlformats.org/drawingml/2006/main" xmlns:r="http://schemas.openxmlformats.org/officeDocument/2006/relationships" xmlns:p="http://schemas.openxmlformats.org/presentationml/2006/main">
+  <p:cSld>
+    <p:spTree>
+      <p:nvGrpSpPr>
+        <p:cNvPr id="1" name=""/>
+        <p:cNvGrpSpPr/>
+        <p:nvPr/>
+      </p:nvGrpSpPr>
+      <p:grpSpPr>
+        <a:xfrm>
+          <a:off x="0" y="0"/>
+          <a:ext cx="0" cy="0"/>
+          <a:chOff x="0" y="0"/>
+          <a:chExt cx="0" cy="0"/>
+        </a:xfrm>
+      </p:grpSpPr>
+      <p:sp>
+        <p:nvSpPr>
+          <p:cNvPr id="2" name="Title 1">
+            <a:extLst>
+              <a:ext uri="{FF2B5EF4-FFF2-40B4-BE49-F238E27FC236}">
+                <a16:creationId xmlns:a16="http://schemas.microsoft.com/office/drawing/2014/main" id="{50404358-5812-458C-AE42-9A05A76B9A42}"/>
+              </a:ext>
+            </a:extLst>
+          </p:cNvPr>
+          <p:cNvSpPr>
+            <a:spLocks noGrp="1"/>
+          </p:cNvSpPr>
+          <p:nvPr>
+            <p:ph type="title"/>
+          </p:nvPr>
+        </p:nvSpPr>
+        <p:spPr/>
+        <p:txBody>
+          <a:bodyPr/>
+          <a:lstStyle/>
+          <a:p>
+            <a:r>
+              <a:rPr lang="en-US" dirty="0">
+                <a:latin typeface="Times New Roman" panose="02020603050405020304" pitchFamily="18" charset="0"/>
+                <a:cs typeface="Times New Roman" panose="02020603050405020304" pitchFamily="18" charset="0"/>
+              </a:rPr>
+              <a:t>Leadership</a:t>
+            </a:r>
+          </a:p>
+        </p:txBody>
+      </p:sp>
+      <p:sp>
+        <p:nvSpPr>
+          <p:cNvPr id="3" name="Content Placeholder 2">
+            <a:extLst>
+              <a:ext uri="{FF2B5EF4-FFF2-40B4-BE49-F238E27FC236}">
+                <a16:creationId xmlns:a16="http://schemas.microsoft.com/office/drawing/2014/main" id="{036F4209-EDF4-4976-BCDC-AB660CD403E7}"/>
+              </a:ext>
+            </a:extLst>
+          </p:cNvPr>
+          <p:cNvSpPr>
+            <a:spLocks noGrp="1"/>
+          </p:cNvSpPr>
+          <p:nvPr>
+            <p:ph idx="1"/>
+          </p:nvPr>
+        </p:nvSpPr>
+        <p:spPr>
+          <a:xfrm>
+            <a:off x="685800" y="1713390"/>
+            <a:ext cx="10820400" cy="4505295"/>
+          </a:xfrm>
+        </p:spPr>
+        <p:txBody>
+          <a:bodyPr/>
+          <a:lstStyle/>
+          <a:p>
+            <a:pPr marL="0" indent="0">
+              <a:lnSpc>
+                <a:spcPct val="100000"/>
+              </a:lnSpc>
+              <a:buNone/>
+            </a:pPr>
+            <a:r>
+              <a:rPr lang="en-US" b="1" dirty="0">
+                <a:latin typeface="Times New Roman" panose="02020603050405020304" pitchFamily="18" charset="0"/>
+                <a:cs typeface="Times New Roman" panose="02020603050405020304" pitchFamily="18" charset="0"/>
+              </a:rPr>
+              <a:t>Definition:</a:t>
+            </a:r>
+          </a:p>
+          <a:p>
+            <a:pPr marL="0" indent="0">
+              <a:lnSpc>
+                <a:spcPct val="100000"/>
+              </a:lnSpc>
+              <a:buNone/>
+            </a:pPr>
+            <a:r>
+              <a:rPr lang="en-US" b="1" dirty="0">
+                <a:latin typeface="Times New Roman" panose="02020603050405020304" pitchFamily="18" charset="0"/>
+                <a:cs typeface="Times New Roman" panose="02020603050405020304" pitchFamily="18" charset="0"/>
+              </a:rPr>
+              <a:t>	</a:t>
+            </a:r>
+            <a:r>
+              <a:rPr lang="en-US" dirty="0">
+                <a:latin typeface="Times New Roman" panose="02020603050405020304" pitchFamily="18" charset="0"/>
+                <a:cs typeface="Times New Roman" panose="02020603050405020304" pitchFamily="18" charset="0"/>
+              </a:rPr>
+              <a:t>Leadership is the ability of an individual or a group of individuals to influence and</a:t>
+            </a:r>
+          </a:p>
+          <a:p>
+            <a:pPr marL="0" indent="0">
+              <a:lnSpc>
+                <a:spcPct val="100000"/>
+              </a:lnSpc>
+              <a:buNone/>
+            </a:pPr>
+            <a:r>
+              <a:rPr lang="en-US" dirty="0">
+                <a:latin typeface="Times New Roman" panose="02020603050405020304" pitchFamily="18" charset="0"/>
+                <a:cs typeface="Times New Roman" panose="02020603050405020304" pitchFamily="18" charset="0"/>
+              </a:rPr>
+              <a:t>guide followers or other members of an organization.</a:t>
+            </a:r>
+          </a:p>
+          <a:p>
+            <a:pPr marL="0" indent="0">
+              <a:lnSpc>
+                <a:spcPct val="100000"/>
+              </a:lnSpc>
+              <a:buNone/>
+            </a:pPr>
+            <a:endParaRPr lang="en-US" dirty="0">
+              <a:latin typeface="Times New Roman" panose="02020603050405020304" pitchFamily="18" charset="0"/>
+              <a:cs typeface="Times New Roman" panose="02020603050405020304" pitchFamily="18" charset="0"/>
+            </a:endParaRPr>
+          </a:p>
+          <a:p>
+            <a:pPr marL="0" indent="0">
+              <a:lnSpc>
+                <a:spcPct val="100000"/>
+              </a:lnSpc>
+              <a:buNone/>
+            </a:pPr>
+            <a:r>
+              <a:rPr lang="en-US" dirty="0">
+                <a:latin typeface="Times New Roman" panose="02020603050405020304" pitchFamily="18" charset="0"/>
+                <a:cs typeface="Times New Roman" panose="02020603050405020304" pitchFamily="18" charset="0"/>
+              </a:rPr>
+              <a:t>	According to Peter Drucker, “ Leadership is </a:t>
+            </a:r>
+          </a:p>
+          <a:p>
+            <a:pPr marL="0" indent="0">
+              <a:lnSpc>
+                <a:spcPct val="100000"/>
+              </a:lnSpc>
+              <a:buNone/>
+            </a:pPr>
+            <a:r>
+              <a:rPr lang="en-US" dirty="0">
+                <a:latin typeface="Times New Roman" panose="02020603050405020304" pitchFamily="18" charset="0"/>
+                <a:cs typeface="Times New Roman" panose="02020603050405020304" pitchFamily="18" charset="0"/>
+              </a:rPr>
+              <a:t>shifting of own vision to higher sights, the raising of </a:t>
+            </a:r>
+          </a:p>
+          <a:p>
+            <a:pPr marL="0" indent="0">
+              <a:lnSpc>
+                <a:spcPct val="100000"/>
+              </a:lnSpc>
+              <a:buNone/>
+            </a:pPr>
+            <a:r>
+              <a:rPr lang="en-US" dirty="0">
+                <a:latin typeface="Times New Roman" panose="02020603050405020304" pitchFamily="18" charset="0"/>
+                <a:cs typeface="Times New Roman" panose="02020603050405020304" pitchFamily="18" charset="0"/>
+              </a:rPr>
+              <a:t>man’s performance to higher standards, the building of </a:t>
+            </a:r>
+          </a:p>
+          <a:p>
+            <a:pPr marL="0" indent="0">
+              <a:lnSpc>
+                <a:spcPct val="100000"/>
+              </a:lnSpc>
+              <a:buNone/>
+            </a:pPr>
+            <a:r>
+              <a:rPr lang="en-US" dirty="0">
+                <a:latin typeface="Times New Roman" panose="02020603050405020304" pitchFamily="18" charset="0"/>
+                <a:cs typeface="Times New Roman" panose="02020603050405020304" pitchFamily="18" charset="0"/>
+              </a:rPr>
+              <a:t>man’s personality beyond its normal limitations.”</a:t>
+            </a:r>
+          </a:p>
+        </p:txBody>
+      </p:sp>
+      <p:pic>
+        <p:nvPicPr>
+          <p:cNvPr id="5" name="Picture 4">
+            <a:extLst>
+              <a:ext uri="{FF2B5EF4-FFF2-40B4-BE49-F238E27FC236}">
+                <a16:creationId xmlns:a16="http://schemas.microsoft.com/office/drawing/2014/main" id="{89104994-145D-40F5-88BA-B56F833AEDC6}"/>
+              </a:ext>
+            </a:extLst>
+          </p:cNvPr>
+          <p:cNvPicPr>
+            <a:picLocks noChangeAspect="1"/>
+          </p:cNvPicPr>
+          <p:nvPr/>
+        </p:nvPicPr>
+        <p:blipFill>
+          <a:blip r:embed="rId2">
+            <a:extLst>
+              <a:ext uri="{28A0092B-C50C-407E-A947-70E740481C1C}">
+                <a14:useLocalDpi xmlns:a14="http://schemas.microsoft.com/office/drawing/2010/main" val="0"/>
+              </a:ext>
+            </a:extLst>
+          </a:blip>
+          <a:stretch>
+            <a:fillRect/>
+          </a:stretch>
+        </p:blipFill>
+        <p:spPr>
+          <a:xfrm>
+            <a:off x="7377344" y="2897834"/>
+            <a:ext cx="4128856" cy="2480417"/>
+          </a:xfrm>
+          <a:prstGeom prst="rect">
+            <a:avLst/>
+          </a:prstGeom>
+        </p:spPr>
+      </p:pic>
+      <p:pic>
+        <p:nvPicPr>
+          <p:cNvPr id="6" name="Picture 5" descr="Logo&#10;&#10;Description automatically generated">
+            <a:extLst>
+              <a:ext uri="{FF2B5EF4-FFF2-40B4-BE49-F238E27FC236}">
+                <a16:creationId xmlns:a16="http://schemas.microsoft.com/office/drawing/2014/main" id="{E61528A7-2C86-4FE9-9FF1-E1C0D0624713}"/>
+              </a:ext>
+            </a:extLst>
+          </p:cNvPr>
+          <p:cNvPicPr>
+            <a:picLocks noChangeAspect="1"/>
+          </p:cNvPicPr>
+          <p:nvPr/>
+        </p:nvPicPr>
+        <p:blipFill>
+          <a:blip r:embed="rId3">
+            <a:extLst>
+              <a:ext uri="{28A0092B-C50C-407E-A947-70E740481C1C}">
+                <a14:useLocalDpi xmlns:a14="http://schemas.microsoft.com/office/drawing/2010/main" val="0"/>
+              </a:ext>
+            </a:extLst>
+          </a:blip>
+          <a:stretch>
+            <a:fillRect/>
+          </a:stretch>
+        </p:blipFill>
+        <p:spPr>
+          <a:xfrm>
+            <a:off x="206828" y="-54881"/>
+            <a:ext cx="957943" cy="1436914"/>
+          </a:xfrm>
+          <a:prstGeom prst="rect">
+            <a:avLst/>
+          </a:prstGeom>
+        </p:spPr>
+      </p:pic>
+    </p:spTree>
+    <p:extLst>
+      <p:ext uri="{BB962C8B-B14F-4D97-AF65-F5344CB8AC3E}">
+        <p14:creationId xmlns:p14="http://schemas.microsoft.com/office/powerpoint/2010/main" val="108156098"/>
+      </p:ext>
+    </p:extLst>
+  </p:cSld>
+  <p:clrMapOvr>
+    <a:masterClrMapping/>
+  </p:clrMapOvr>
+</p:sld>
+</file>
+
+<file path=ppt/slides/slide20.xml><?xml version="1.0" encoding="utf-8"?>
 <p:sld xmlns:a="http://schemas.openxmlformats.org/drawingml/2006/main" xmlns:r="http://schemas.openxmlformats.org/officeDocument/2006/relationships" xmlns:p="http://schemas.openxmlformats.org/presentationml/2006/main">
   <p:cSld>
     <p:bg>
@@ -7483,294 +8354,219 @@
           </a:prstGeom>
         </p:spPr>
       </p:pic>
+      <p:sp>
+        <p:nvSpPr>
+          <p:cNvPr id="6" name="Content Placeholder 2">
+            <a:extLst>
+              <a:ext uri="{FF2B5EF4-FFF2-40B4-BE49-F238E27FC236}">
+                <a16:creationId xmlns:a16="http://schemas.microsoft.com/office/drawing/2014/main" id="{727C2C82-C5A3-4F46-8581-3DDC4B663EA5}"/>
+              </a:ext>
+            </a:extLst>
+          </p:cNvPr>
+          <p:cNvSpPr txBox="1">
+            <a:spLocks/>
+          </p:cNvSpPr>
+          <p:nvPr/>
+        </p:nvSpPr>
+        <p:spPr>
+          <a:xfrm>
+            <a:off x="881110" y="5224385"/>
+            <a:ext cx="10289928" cy="1249041"/>
+          </a:xfrm>
+          <a:prstGeom prst="rect">
+            <a:avLst/>
+          </a:prstGeom>
+        </p:spPr>
+        <p:txBody>
+          <a:bodyPr vert="horz" lIns="91440" tIns="45720" rIns="91440" bIns="45720" rtlCol="0">
+            <a:normAutofit/>
+          </a:bodyPr>
+          <a:lstStyle>
+            <a:lvl1pPr marL="228600" indent="-228600" algn="l" defTabSz="914400" rtl="0" eaLnBrk="1" latinLnBrk="0" hangingPunct="1">
+              <a:lnSpc>
+                <a:spcPct val="90000"/>
+              </a:lnSpc>
+              <a:spcBef>
+                <a:spcPts val="1000"/>
+              </a:spcBef>
+              <a:buFont typeface="Arial" panose="020B0604020202020204" pitchFamily="34" charset="0"/>
+              <a:buChar char="•"/>
+              <a:defRPr sz="2200" kern="1200">
+                <a:solidFill>
+                  <a:schemeClr val="tx1"/>
+                </a:solidFill>
+                <a:latin typeface="+mn-lt"/>
+                <a:ea typeface="+mn-ea"/>
+                <a:cs typeface="+mn-cs"/>
+              </a:defRPr>
+            </a:lvl1pPr>
+            <a:lvl2pPr marL="685800" indent="-228600" algn="l" defTabSz="914400" rtl="0" eaLnBrk="1" latinLnBrk="0" hangingPunct="1">
+              <a:lnSpc>
+                <a:spcPct val="90000"/>
+              </a:lnSpc>
+              <a:spcBef>
+                <a:spcPts val="500"/>
+              </a:spcBef>
+              <a:buFont typeface="Arial" panose="020B0604020202020204" pitchFamily="34" charset="0"/>
+              <a:buChar char="•"/>
+              <a:defRPr sz="2000" kern="1200">
+                <a:solidFill>
+                  <a:schemeClr val="tx1"/>
+                </a:solidFill>
+                <a:latin typeface="+mn-lt"/>
+                <a:ea typeface="+mn-ea"/>
+                <a:cs typeface="+mn-cs"/>
+              </a:defRPr>
+            </a:lvl2pPr>
+            <a:lvl3pPr marL="1143000" indent="-228600" algn="l" defTabSz="914400" rtl="0" eaLnBrk="1" latinLnBrk="0" hangingPunct="1">
+              <a:lnSpc>
+                <a:spcPct val="90000"/>
+              </a:lnSpc>
+              <a:spcBef>
+                <a:spcPts val="500"/>
+              </a:spcBef>
+              <a:buFont typeface="Arial" panose="020B0604020202020204" pitchFamily="34" charset="0"/>
+              <a:buChar char="•"/>
+              <a:defRPr sz="1800" kern="1200">
+                <a:solidFill>
+                  <a:schemeClr val="tx1"/>
+                </a:solidFill>
+                <a:latin typeface="+mn-lt"/>
+                <a:ea typeface="+mn-ea"/>
+                <a:cs typeface="+mn-cs"/>
+              </a:defRPr>
+            </a:lvl3pPr>
+            <a:lvl4pPr marL="1600200" indent="-228600" algn="l" defTabSz="914400" rtl="0" eaLnBrk="1" latinLnBrk="0" hangingPunct="1">
+              <a:lnSpc>
+                <a:spcPct val="90000"/>
+              </a:lnSpc>
+              <a:spcBef>
+                <a:spcPts val="500"/>
+              </a:spcBef>
+              <a:buFont typeface="Arial" panose="020B0604020202020204" pitchFamily="34" charset="0"/>
+              <a:buChar char="•"/>
+              <a:defRPr sz="1600" kern="1200">
+                <a:solidFill>
+                  <a:schemeClr val="tx1"/>
+                </a:solidFill>
+                <a:latin typeface="+mn-lt"/>
+                <a:ea typeface="+mn-ea"/>
+                <a:cs typeface="+mn-cs"/>
+              </a:defRPr>
+            </a:lvl4pPr>
+            <a:lvl5pPr marL="2057400" indent="-228600" algn="l" defTabSz="914400" rtl="0" eaLnBrk="1" latinLnBrk="0" hangingPunct="1">
+              <a:lnSpc>
+                <a:spcPct val="90000"/>
+              </a:lnSpc>
+              <a:spcBef>
+                <a:spcPts val="500"/>
+              </a:spcBef>
+              <a:buFont typeface="Arial" panose="020B0604020202020204" pitchFamily="34" charset="0"/>
+              <a:buChar char="•"/>
+              <a:defRPr sz="1600" kern="1200">
+                <a:solidFill>
+                  <a:schemeClr val="tx1"/>
+                </a:solidFill>
+                <a:latin typeface="+mn-lt"/>
+                <a:ea typeface="+mn-ea"/>
+                <a:cs typeface="+mn-cs"/>
+              </a:defRPr>
+            </a:lvl5pPr>
+            <a:lvl6pPr marL="2514600" indent="-228600" algn="l" defTabSz="914400" rtl="0" eaLnBrk="1" latinLnBrk="0" hangingPunct="1">
+              <a:lnSpc>
+                <a:spcPct val="90000"/>
+              </a:lnSpc>
+              <a:spcBef>
+                <a:spcPts val="500"/>
+              </a:spcBef>
+              <a:buFont typeface="Arial" panose="020B0604020202020204" pitchFamily="34" charset="0"/>
+              <a:buChar char="•"/>
+              <a:defRPr sz="1600" kern="1200">
+                <a:solidFill>
+                  <a:schemeClr val="tx1"/>
+                </a:solidFill>
+                <a:latin typeface="+mn-lt"/>
+                <a:ea typeface="+mn-ea"/>
+                <a:cs typeface="+mn-cs"/>
+              </a:defRPr>
+            </a:lvl6pPr>
+            <a:lvl7pPr marL="2971800" indent="-228600" algn="l" defTabSz="914400" rtl="0" eaLnBrk="1" latinLnBrk="0" hangingPunct="1">
+              <a:lnSpc>
+                <a:spcPct val="90000"/>
+              </a:lnSpc>
+              <a:spcBef>
+                <a:spcPts val="500"/>
+              </a:spcBef>
+              <a:buFont typeface="Arial" panose="020B0604020202020204" pitchFamily="34" charset="0"/>
+              <a:buChar char="•"/>
+              <a:defRPr sz="1600" kern="1200">
+                <a:solidFill>
+                  <a:schemeClr val="tx1"/>
+                </a:solidFill>
+                <a:latin typeface="+mn-lt"/>
+                <a:ea typeface="+mn-ea"/>
+                <a:cs typeface="+mn-cs"/>
+              </a:defRPr>
+            </a:lvl7pPr>
+            <a:lvl8pPr marL="3429000" indent="-228600" algn="l" defTabSz="914400" rtl="0" eaLnBrk="1" latinLnBrk="0" hangingPunct="1">
+              <a:lnSpc>
+                <a:spcPct val="90000"/>
+              </a:lnSpc>
+              <a:spcBef>
+                <a:spcPts val="500"/>
+              </a:spcBef>
+              <a:buFont typeface="Arial" panose="020B0604020202020204" pitchFamily="34" charset="0"/>
+              <a:buChar char="•"/>
+              <a:defRPr sz="1600" kern="1200">
+                <a:solidFill>
+                  <a:schemeClr val="tx1"/>
+                </a:solidFill>
+                <a:latin typeface="+mn-lt"/>
+                <a:ea typeface="+mn-ea"/>
+                <a:cs typeface="+mn-cs"/>
+              </a:defRPr>
+            </a:lvl8pPr>
+            <a:lvl9pPr marL="3886200" indent="-228600" algn="l" defTabSz="914400" rtl="0" eaLnBrk="1" latinLnBrk="0" hangingPunct="1">
+              <a:lnSpc>
+                <a:spcPct val="90000"/>
+              </a:lnSpc>
+              <a:spcBef>
+                <a:spcPts val="500"/>
+              </a:spcBef>
+              <a:buFont typeface="Arial" panose="020B0604020202020204" pitchFamily="34" charset="0"/>
+              <a:buChar char="•"/>
+              <a:defRPr sz="1600" kern="1200">
+                <a:solidFill>
+                  <a:schemeClr val="tx1"/>
+                </a:solidFill>
+                <a:latin typeface="+mn-lt"/>
+                <a:ea typeface="+mn-ea"/>
+                <a:cs typeface="+mn-cs"/>
+              </a:defRPr>
+            </a:lvl9pPr>
+          </a:lstStyle>
+          <a:p>
+            <a:pPr marL="0" indent="0" algn="ctr">
+              <a:buFont typeface="Arial" panose="020B0604020202020204" pitchFamily="34" charset="0"/>
+              <a:buNone/>
+            </a:pPr>
+            <a:r>
+              <a:rPr lang="en-US" sz="7200" dirty="0">
+                <a:solidFill>
+                  <a:srgbClr val="0070C0"/>
+                </a:solidFill>
+                <a:latin typeface="Times New Roman" panose="02020603050405020304" pitchFamily="18" charset="0"/>
+                <a:cs typeface="Times New Roman" panose="02020603050405020304" pitchFamily="18" charset="0"/>
+              </a:rPr>
+              <a:t>JAI HIND</a:t>
+            </a:r>
+          </a:p>
+        </p:txBody>
+      </p:sp>
     </p:spTree>
     <p:extLst>
       <p:ext uri="{BB962C8B-B14F-4D97-AF65-F5344CB8AC3E}">
         <p14:creationId xmlns:p14="http://schemas.microsoft.com/office/powerpoint/2010/main" val="1836894086"/>
-      </p:ext>
-    </p:extLst>
-  </p:cSld>
-  <p:clrMapOvr>
-    <a:masterClrMapping/>
-  </p:clrMapOvr>
-</p:sld>
-</file>
-
-<file path=ppt/slides/slide2.xml><?xml version="1.0" encoding="utf-8"?>
-<p:sld xmlns:a="http://schemas.openxmlformats.org/drawingml/2006/main" xmlns:r="http://schemas.openxmlformats.org/officeDocument/2006/relationships" xmlns:p="http://schemas.openxmlformats.org/presentationml/2006/main">
-  <p:cSld>
-    <p:spTree>
-      <p:nvGrpSpPr>
-        <p:cNvPr id="1" name=""/>
-        <p:cNvGrpSpPr/>
-        <p:nvPr/>
-      </p:nvGrpSpPr>
-      <p:grpSpPr>
-        <a:xfrm>
-          <a:off x="0" y="0"/>
-          <a:ext cx="0" cy="0"/>
-          <a:chOff x="0" y="0"/>
-          <a:chExt cx="0" cy="0"/>
-        </a:xfrm>
-      </p:grpSpPr>
-      <p:sp>
-        <p:nvSpPr>
-          <p:cNvPr id="2" name="Title 1">
-            <a:extLst>
-              <a:ext uri="{FF2B5EF4-FFF2-40B4-BE49-F238E27FC236}">
-                <a16:creationId xmlns:a16="http://schemas.microsoft.com/office/drawing/2014/main" id="{50404358-5812-458C-AE42-9A05A76B9A42}"/>
-              </a:ext>
-            </a:extLst>
-          </p:cNvPr>
-          <p:cNvSpPr>
-            <a:spLocks noGrp="1"/>
-          </p:cNvSpPr>
-          <p:nvPr>
-            <p:ph type="title"/>
-          </p:nvPr>
-        </p:nvSpPr>
-        <p:spPr/>
-        <p:txBody>
-          <a:bodyPr/>
-          <a:lstStyle/>
-          <a:p>
-            <a:r>
-              <a:rPr lang="en-US" dirty="0">
-                <a:latin typeface="Times New Roman" panose="02020603050405020304" pitchFamily="18" charset="0"/>
-                <a:cs typeface="Times New Roman" panose="02020603050405020304" pitchFamily="18" charset="0"/>
-              </a:rPr>
-              <a:t>Leadership</a:t>
-            </a:r>
-          </a:p>
-        </p:txBody>
-      </p:sp>
-      <p:sp>
-        <p:nvSpPr>
-          <p:cNvPr id="3" name="Content Placeholder 2">
-            <a:extLst>
-              <a:ext uri="{FF2B5EF4-FFF2-40B4-BE49-F238E27FC236}">
-                <a16:creationId xmlns:a16="http://schemas.microsoft.com/office/drawing/2014/main" id="{036F4209-EDF4-4976-BCDC-AB660CD403E7}"/>
-              </a:ext>
-            </a:extLst>
-          </p:cNvPr>
-          <p:cNvSpPr>
-            <a:spLocks noGrp="1"/>
-          </p:cNvSpPr>
-          <p:nvPr>
-            <p:ph idx="1"/>
-          </p:nvPr>
-        </p:nvSpPr>
-        <p:spPr>
-          <a:xfrm>
-            <a:off x="685800" y="1713390"/>
-            <a:ext cx="10820400" cy="4505295"/>
-          </a:xfrm>
-        </p:spPr>
-        <p:txBody>
-          <a:bodyPr/>
-          <a:lstStyle/>
-          <a:p>
-            <a:pPr marL="0" indent="0">
-              <a:lnSpc>
-                <a:spcPct val="100000"/>
-              </a:lnSpc>
-              <a:buNone/>
-            </a:pPr>
-            <a:r>
-              <a:rPr lang="en-US" b="1" dirty="0">
-                <a:latin typeface="Times New Roman" panose="02020603050405020304" pitchFamily="18" charset="0"/>
-                <a:cs typeface="Times New Roman" panose="02020603050405020304" pitchFamily="18" charset="0"/>
-              </a:rPr>
-              <a:t>Definition:</a:t>
-            </a:r>
-          </a:p>
-          <a:p>
-            <a:pPr marL="0" indent="0">
-              <a:lnSpc>
-                <a:spcPct val="100000"/>
-              </a:lnSpc>
-              <a:buNone/>
-            </a:pPr>
-            <a:r>
-              <a:rPr lang="en-US" b="1" dirty="0">
-                <a:latin typeface="Times New Roman" panose="02020603050405020304" pitchFamily="18" charset="0"/>
-                <a:cs typeface="Times New Roman" panose="02020603050405020304" pitchFamily="18" charset="0"/>
-              </a:rPr>
-              <a:t>	</a:t>
-            </a:r>
-            <a:r>
-              <a:rPr lang="en-US" dirty="0">
-                <a:latin typeface="Times New Roman" panose="02020603050405020304" pitchFamily="18" charset="0"/>
-                <a:cs typeface="Times New Roman" panose="02020603050405020304" pitchFamily="18" charset="0"/>
-              </a:rPr>
-              <a:t>Leadership is the ability of an individual or a group of individuals to influence and</a:t>
-            </a:r>
-          </a:p>
-          <a:p>
-            <a:pPr marL="0" indent="0">
-              <a:lnSpc>
-                <a:spcPct val="100000"/>
-              </a:lnSpc>
-              <a:buNone/>
-            </a:pPr>
-            <a:r>
-              <a:rPr lang="en-US" dirty="0">
-                <a:latin typeface="Times New Roman" panose="02020603050405020304" pitchFamily="18" charset="0"/>
-                <a:cs typeface="Times New Roman" panose="02020603050405020304" pitchFamily="18" charset="0"/>
-              </a:rPr>
-              <a:t>guide followers or other members of an organization.</a:t>
-            </a:r>
-          </a:p>
-          <a:p>
-            <a:pPr marL="0" indent="0">
-              <a:lnSpc>
-                <a:spcPct val="100000"/>
-              </a:lnSpc>
-              <a:buNone/>
-            </a:pPr>
-            <a:endParaRPr lang="en-US" dirty="0">
-              <a:latin typeface="Times New Roman" panose="02020603050405020304" pitchFamily="18" charset="0"/>
-              <a:cs typeface="Times New Roman" panose="02020603050405020304" pitchFamily="18" charset="0"/>
-            </a:endParaRPr>
-          </a:p>
-          <a:p>
-            <a:pPr marL="0" indent="0">
-              <a:lnSpc>
-                <a:spcPct val="100000"/>
-              </a:lnSpc>
-              <a:buNone/>
-            </a:pPr>
-            <a:r>
-              <a:rPr lang="en-US" dirty="0">
-                <a:latin typeface="Times New Roman" panose="02020603050405020304" pitchFamily="18" charset="0"/>
-                <a:cs typeface="Times New Roman" panose="02020603050405020304" pitchFamily="18" charset="0"/>
-              </a:rPr>
-              <a:t>	According to Peter Drucker, “ Leadership is </a:t>
-            </a:r>
-          </a:p>
-          <a:p>
-            <a:pPr marL="0" indent="0">
-              <a:lnSpc>
-                <a:spcPct val="100000"/>
-              </a:lnSpc>
-              <a:buNone/>
-            </a:pPr>
-            <a:r>
-              <a:rPr lang="en-US" dirty="0">
-                <a:latin typeface="Times New Roman" panose="02020603050405020304" pitchFamily="18" charset="0"/>
-                <a:cs typeface="Times New Roman" panose="02020603050405020304" pitchFamily="18" charset="0"/>
-              </a:rPr>
-              <a:t>shifting of own vision to higher sights, the raising of </a:t>
-            </a:r>
-          </a:p>
-          <a:p>
-            <a:pPr marL="0" indent="0">
-              <a:lnSpc>
-                <a:spcPct val="100000"/>
-              </a:lnSpc>
-              <a:buNone/>
-            </a:pPr>
-            <a:r>
-              <a:rPr lang="en-US" dirty="0">
-                <a:latin typeface="Times New Roman" panose="02020603050405020304" pitchFamily="18" charset="0"/>
-                <a:cs typeface="Times New Roman" panose="02020603050405020304" pitchFamily="18" charset="0"/>
-              </a:rPr>
-              <a:t>man’s performance to higher standards, the building of </a:t>
-            </a:r>
-          </a:p>
-          <a:p>
-            <a:pPr marL="0" indent="0">
-              <a:lnSpc>
-                <a:spcPct val="100000"/>
-              </a:lnSpc>
-              <a:buNone/>
-            </a:pPr>
-            <a:r>
-              <a:rPr lang="en-US" dirty="0">
-                <a:latin typeface="Times New Roman" panose="02020603050405020304" pitchFamily="18" charset="0"/>
-                <a:cs typeface="Times New Roman" panose="02020603050405020304" pitchFamily="18" charset="0"/>
-              </a:rPr>
-              <a:t>man’s personality beyond its normal limitations.”</a:t>
-            </a:r>
-          </a:p>
-        </p:txBody>
-      </p:sp>
-      <p:pic>
-        <p:nvPicPr>
-          <p:cNvPr id="5" name="Picture 4">
-            <a:extLst>
-              <a:ext uri="{FF2B5EF4-FFF2-40B4-BE49-F238E27FC236}">
-                <a16:creationId xmlns:a16="http://schemas.microsoft.com/office/drawing/2014/main" id="{89104994-145D-40F5-88BA-B56F833AEDC6}"/>
-              </a:ext>
-            </a:extLst>
-          </p:cNvPr>
-          <p:cNvPicPr>
-            <a:picLocks noChangeAspect="1"/>
-          </p:cNvPicPr>
-          <p:nvPr/>
-        </p:nvPicPr>
-        <p:blipFill>
-          <a:blip r:embed="rId2">
-            <a:extLst>
-              <a:ext uri="{28A0092B-C50C-407E-A947-70E740481C1C}">
-                <a14:useLocalDpi xmlns:a14="http://schemas.microsoft.com/office/drawing/2010/main" val="0"/>
-              </a:ext>
-            </a:extLst>
-          </a:blip>
-          <a:stretch>
-            <a:fillRect/>
-          </a:stretch>
-        </p:blipFill>
-        <p:spPr>
-          <a:xfrm>
-            <a:off x="7233082" y="2897834"/>
-            <a:ext cx="4273118" cy="2480417"/>
-          </a:xfrm>
-          <a:prstGeom prst="rect">
-            <a:avLst/>
-          </a:prstGeom>
-        </p:spPr>
-      </p:pic>
-      <p:pic>
-        <p:nvPicPr>
-          <p:cNvPr id="6" name="Picture 5" descr="Logo&#10;&#10;Description automatically generated">
-            <a:extLst>
-              <a:ext uri="{FF2B5EF4-FFF2-40B4-BE49-F238E27FC236}">
-                <a16:creationId xmlns:a16="http://schemas.microsoft.com/office/drawing/2014/main" id="{E61528A7-2C86-4FE9-9FF1-E1C0D0624713}"/>
-              </a:ext>
-            </a:extLst>
-          </p:cNvPr>
-          <p:cNvPicPr>
-            <a:picLocks noChangeAspect="1"/>
-          </p:cNvPicPr>
-          <p:nvPr/>
-        </p:nvPicPr>
-        <p:blipFill>
-          <a:blip r:embed="rId3">
-            <a:extLst>
-              <a:ext uri="{28A0092B-C50C-407E-A947-70E740481C1C}">
-                <a14:useLocalDpi xmlns:a14="http://schemas.microsoft.com/office/drawing/2010/main" val="0"/>
-              </a:ext>
-            </a:extLst>
-          </a:blip>
-          <a:stretch>
-            <a:fillRect/>
-          </a:stretch>
-        </p:blipFill>
-        <p:spPr>
-          <a:xfrm>
-            <a:off x="206828" y="-54881"/>
-            <a:ext cx="957943" cy="1436914"/>
-          </a:xfrm>
-          <a:prstGeom prst="rect">
-            <a:avLst/>
-          </a:prstGeom>
-        </p:spPr>
-      </p:pic>
-    </p:spTree>
-    <p:extLst>
-      <p:ext uri="{BB962C8B-B14F-4D97-AF65-F5344CB8AC3E}">
-        <p14:creationId xmlns:p14="http://schemas.microsoft.com/office/powerpoint/2010/main" val="108156098"/>
       </p:ext>
     </p:extLst>
   </p:cSld>
